--- a/15week/2019775054github.pptx
+++ b/15week/2019775054github.pptx
@@ -21763,8 +21763,8 @@
         </p:nvSpPr>
         <p:spPr>
           <a:xfrm>
-            <a:off x="1468073" y="2525087"/>
-            <a:ext cx="8414158" cy="1323439"/>
+            <a:off x="893699" y="2525087"/>
+            <a:ext cx="8988532" cy="1323439"/>
           </a:xfrm>
           <a:prstGeom prst="rect">
             <a:avLst/>
@@ -21778,29 +21778,29 @@
           <a:lstStyle/>
           <a:p>
             <a:r>
-              <a:rPr lang="en-US" altLang="ko-KR" sz="4000"/>
+              <a:rPr lang="en-US" altLang="ko-KR" sz="4000" dirty="0"/>
               <a:t>				18</a:t>
             </a:r>
             <a:r>
-              <a:rPr lang="ko-KR" altLang="en-US" sz="4000"/>
+              <a:rPr lang="ko-KR" altLang="en-US" sz="4000" dirty="0"/>
               <a:t>점</a:t>
             </a:r>
-            <a:endParaRPr lang="en-US" altLang="ko-KR" sz="4000"/>
+            <a:endParaRPr lang="en-US" altLang="ko-KR" sz="4000" dirty="0"/>
           </a:p>
           <a:p>
             <a:r>
               <a:rPr lang="en-US" altLang="ko-KR" sz="4000"/>
-              <a:t>13,14 </a:t>
+              <a:t>12,13 </a:t>
             </a:r>
             <a:r>
-              <a:rPr lang="ko-KR" altLang="en-US" sz="4000"/>
+              <a:rPr lang="ko-KR" altLang="en-US" sz="4000" dirty="0"/>
               <a:t>주차 자료가 누락 되어 있습니다</a:t>
             </a:r>
             <a:r>
-              <a:rPr lang="en-US" altLang="ko-KR" sz="4000"/>
+              <a:rPr lang="en-US" altLang="ko-KR" sz="4000" dirty="0"/>
               <a:t>.</a:t>
             </a:r>
-            <a:endParaRPr lang="ko-KR" altLang="en-US" sz="4000"/>
+            <a:endParaRPr lang="ko-KR" altLang="en-US" sz="4000" dirty="0"/>
           </a:p>
         </p:txBody>
       </p:sp>

--- a/15week/2019775054github.pptx
+++ b/15week/2019775054github.pptx
@@ -3851,8 +3851,8 @@
         </p:nvSpPr>
         <p:spPr>
           <a:xfrm>
-            <a:off x="3054991" y="1649653"/>
-            <a:ext cx="6417578" cy="2308324"/>
+            <a:off x="2587925" y="1649653"/>
+            <a:ext cx="6884644" cy="2308324"/>
           </a:xfrm>
           <a:prstGeom prst="rect">
             <a:avLst/>
@@ -21779,7 +21779,7 @@
           <a:p>
             <a:r>
               <a:rPr lang="en-US" altLang="ko-KR" sz="4000" dirty="0"/>
-              <a:t>				18</a:t>
+              <a:t>				13</a:t>
             </a:r>
             <a:r>
               <a:rPr lang="ko-KR" altLang="en-US" sz="4000" dirty="0"/>
@@ -21789,7 +21789,7 @@
           </a:p>
           <a:p>
             <a:r>
-              <a:rPr lang="en-US" altLang="ko-KR" sz="4000"/>
+              <a:rPr lang="en-US" altLang="ko-KR" sz="4000" dirty="0"/>
               <a:t>12,13 </a:t>
             </a:r>
             <a:r>

--- a/15week/2019775054github.pptx
+++ b/15week/2019775054github.pptx
@@ -21764,7 +21764,7 @@
         <p:spPr>
           <a:xfrm>
             <a:off x="893699" y="2525087"/>
-            <a:ext cx="8988532" cy="1323439"/>
+            <a:ext cx="8988532" cy="707886"/>
           </a:xfrm>
           <a:prstGeom prst="rect">
             <a:avLst/>
@@ -21779,28 +21779,13 @@
           <a:p>
             <a:r>
               <a:rPr lang="en-US" altLang="ko-KR" sz="4000" dirty="0"/>
-              <a:t>				13</a:t>
+              <a:t>				15</a:t>
             </a:r>
             <a:r>
               <a:rPr lang="ko-KR" altLang="en-US" sz="4000" dirty="0"/>
               <a:t>점</a:t>
             </a:r>
             <a:endParaRPr lang="en-US" altLang="ko-KR" sz="4000" dirty="0"/>
-          </a:p>
-          <a:p>
-            <a:r>
-              <a:rPr lang="en-US" altLang="ko-KR" sz="4000" dirty="0"/>
-              <a:t>12,13 </a:t>
-            </a:r>
-            <a:r>
-              <a:rPr lang="ko-KR" altLang="en-US" sz="4000" dirty="0"/>
-              <a:t>주차 자료가 누락 되어 있습니다</a:t>
-            </a:r>
-            <a:r>
-              <a:rPr lang="en-US" altLang="ko-KR" sz="4000" dirty="0"/>
-              <a:t>.</a:t>
-            </a:r>
-            <a:endParaRPr lang="ko-KR" altLang="en-US" sz="4000" dirty="0"/>
           </a:p>
         </p:txBody>
       </p:sp>
